--- a/iot-basic/images/timeseriesinsights.pptx
+++ b/iot-basic/images/timeseriesinsights.pptx
@@ -314,7 +314,7 @@
           <a:p>
             <a:fld id="{423E73C1-A55A-E744-B6CD-C2F9DA663573}" type="datetimeFigureOut">
               <a:rPr kumimoji="1" lang="ja-JP" altLang="en-US" smtClean="0"/>
-              <a:t>2018/9/18</a:t>
+              <a:t>2018/10/22</a:t>
             </a:fld>
             <a:endParaRPr kumimoji="1" lang="ja-JP" altLang="en-US"/>
           </a:p>
@@ -519,7 +519,7 @@
           <a:p>
             <a:fld id="{423E73C1-A55A-E744-B6CD-C2F9DA663573}" type="datetimeFigureOut">
               <a:rPr kumimoji="1" lang="ja-JP" altLang="en-US" smtClean="0"/>
-              <a:t>2018/9/18</a:t>
+              <a:t>2018/10/22</a:t>
             </a:fld>
             <a:endParaRPr kumimoji="1" lang="ja-JP" altLang="en-US"/>
           </a:p>
@@ -734,7 +734,7 @@
           <a:p>
             <a:fld id="{423E73C1-A55A-E744-B6CD-C2F9DA663573}" type="datetimeFigureOut">
               <a:rPr kumimoji="1" lang="ja-JP" altLang="en-US" smtClean="0"/>
-              <a:t>2018/9/18</a:t>
+              <a:t>2018/10/22</a:t>
             </a:fld>
             <a:endParaRPr kumimoji="1" lang="ja-JP" altLang="en-US"/>
           </a:p>
@@ -939,7 +939,7 @@
           <a:p>
             <a:fld id="{423E73C1-A55A-E744-B6CD-C2F9DA663573}" type="datetimeFigureOut">
               <a:rPr kumimoji="1" lang="ja-JP" altLang="en-US" smtClean="0"/>
-              <a:t>2018/9/18</a:t>
+              <a:t>2018/10/22</a:t>
             </a:fld>
             <a:endParaRPr kumimoji="1" lang="ja-JP" altLang="en-US"/>
           </a:p>
@@ -1249,7 +1249,7 @@
           <a:p>
             <a:fld id="{423E73C1-A55A-E744-B6CD-C2F9DA663573}" type="datetimeFigureOut">
               <a:rPr kumimoji="1" lang="ja-JP" altLang="en-US" smtClean="0"/>
-              <a:t>2018/9/18</a:t>
+              <a:t>2018/10/22</a:t>
             </a:fld>
             <a:endParaRPr kumimoji="1" lang="ja-JP" altLang="en-US"/>
           </a:p>
@@ -1528,7 +1528,7 @@
           <a:p>
             <a:fld id="{423E73C1-A55A-E744-B6CD-C2F9DA663573}" type="datetimeFigureOut">
               <a:rPr kumimoji="1" lang="ja-JP" altLang="en-US" smtClean="0"/>
-              <a:t>2018/9/18</a:t>
+              <a:t>2018/10/22</a:t>
             </a:fld>
             <a:endParaRPr kumimoji="1" lang="ja-JP" altLang="en-US"/>
           </a:p>
@@ -2024,7 +2024,7 @@
           <a:p>
             <a:fld id="{423E73C1-A55A-E744-B6CD-C2F9DA663573}" type="datetimeFigureOut">
               <a:rPr kumimoji="1" lang="ja-JP" altLang="en-US" smtClean="0"/>
-              <a:t>2018/9/18</a:t>
+              <a:t>2018/10/22</a:t>
             </a:fld>
             <a:endParaRPr kumimoji="1" lang="ja-JP" altLang="en-US"/>
           </a:p>
@@ -2165,7 +2165,7 @@
           <a:p>
             <a:fld id="{423E73C1-A55A-E744-B6CD-C2F9DA663573}" type="datetimeFigureOut">
               <a:rPr kumimoji="1" lang="ja-JP" altLang="en-US" smtClean="0"/>
-              <a:t>2018/9/18</a:t>
+              <a:t>2018/10/22</a:t>
             </a:fld>
             <a:endParaRPr kumimoji="1" lang="ja-JP" altLang="en-US"/>
           </a:p>
@@ -2278,7 +2278,7 @@
           <a:p>
             <a:fld id="{423E73C1-A55A-E744-B6CD-C2F9DA663573}" type="datetimeFigureOut">
               <a:rPr kumimoji="1" lang="ja-JP" altLang="en-US" smtClean="0"/>
-              <a:t>2018/9/18</a:t>
+              <a:t>2018/10/22</a:t>
             </a:fld>
             <a:endParaRPr kumimoji="1" lang="ja-JP" altLang="en-US"/>
           </a:p>
@@ -2631,7 +2631,7 @@
           <a:p>
             <a:fld id="{423E73C1-A55A-E744-B6CD-C2F9DA663573}" type="datetimeFigureOut">
               <a:rPr kumimoji="1" lang="ja-JP" altLang="en-US" smtClean="0"/>
-              <a:t>2018/9/18</a:t>
+              <a:t>2018/10/22</a:t>
             </a:fld>
             <a:endParaRPr kumimoji="1" lang="ja-JP" altLang="en-US"/>
           </a:p>
@@ -2954,7 +2954,7 @@
           <a:p>
             <a:fld id="{423E73C1-A55A-E744-B6CD-C2F9DA663573}" type="datetimeFigureOut">
               <a:rPr kumimoji="1" lang="ja-JP" altLang="en-US" smtClean="0"/>
-              <a:t>2018/9/18</a:t>
+              <a:t>2018/10/22</a:t>
             </a:fld>
             <a:endParaRPr kumimoji="1" lang="ja-JP" altLang="en-US"/>
           </a:p>
@@ -3202,7 +3202,7 @@
           <a:p>
             <a:fld id="{423E73C1-A55A-E744-B6CD-C2F9DA663573}" type="datetimeFigureOut">
               <a:rPr kumimoji="1" lang="ja-JP" altLang="en-US" smtClean="0"/>
-              <a:t>2018/9/18</a:t>
+              <a:t>2018/10/22</a:t>
             </a:fld>
             <a:endParaRPr kumimoji="1" lang="ja-JP" altLang="en-US"/>
           </a:p>
@@ -6550,10 +6550,10 @@
       </p:sp>
       <p:grpSp>
         <p:nvGrpSpPr>
-          <p:cNvPr id="7" name="グループ化 6">
-            <a:extLst>
-              <a:ext uri="{FF2B5EF4-FFF2-40B4-BE49-F238E27FC236}">
-                <a16:creationId xmlns:a16="http://schemas.microsoft.com/office/drawing/2014/main" id="{53A5C602-C9EC-E84B-AEC9-97A0ACA5F9BE}"/>
+          <p:cNvPr id="10" name="グループ化 9">
+            <a:extLst>
+              <a:ext uri="{FF2B5EF4-FFF2-40B4-BE49-F238E27FC236}">
+                <a16:creationId xmlns:a16="http://schemas.microsoft.com/office/drawing/2014/main" id="{98CDF389-E9EC-5A4F-9DBD-57B36AB595A2}"/>
               </a:ext>
             </a:extLst>
           </p:cNvPr>
@@ -6562,18 +6562,18 @@
         </p:nvGrpSpPr>
         <p:grpSpPr>
           <a:xfrm>
-            <a:off x="3924300" y="2698750"/>
-            <a:ext cx="4343400" cy="1460500"/>
-            <a:chOff x="3924300" y="2698750"/>
-            <a:chExt cx="4343400" cy="1460500"/>
+            <a:off x="1360963" y="2299655"/>
+            <a:ext cx="5052667" cy="1680150"/>
+            <a:chOff x="4024650" y="4327237"/>
+            <a:chExt cx="5052667" cy="1680150"/>
           </a:xfrm>
         </p:grpSpPr>
         <p:pic>
           <p:nvPicPr>
-            <p:cNvPr id="3" name="図 2">
+            <p:cNvPr id="5" name="図 4">
               <a:extLst>
                 <a:ext uri="{FF2B5EF4-FFF2-40B4-BE49-F238E27FC236}">
-                  <a16:creationId xmlns:a16="http://schemas.microsoft.com/office/drawing/2014/main" id="{B91CDF22-2862-0D49-893C-E3CE461F1D84}"/>
+                  <a16:creationId xmlns:a16="http://schemas.microsoft.com/office/drawing/2014/main" id="{79F83CD9-D3AA-4747-99B3-0E7C3AA61621}"/>
                 </a:ext>
               </a:extLst>
             </p:cNvPr>
@@ -6583,27 +6583,38 @@
             <p:nvPr/>
           </p:nvPicPr>
           <p:blipFill>
-            <a:blip r:embed="rId2"/>
+            <a:blip r:embed="rId2" cstate="print">
+              <a:extLst>
+                <a:ext uri="{28A0092B-C50C-407E-A947-70E740481C1C}">
+                  <a14:useLocalDpi xmlns:a14="http://schemas.microsoft.com/office/drawing/2010/main"/>
+                </a:ext>
+              </a:extLst>
+            </a:blip>
             <a:stretch>
               <a:fillRect/>
             </a:stretch>
           </p:blipFill>
           <p:spPr>
             <a:xfrm>
-              <a:off x="3924300" y="2698750"/>
-              <a:ext cx="4343400" cy="1460500"/>
+              <a:off x="4024650" y="4327237"/>
+              <a:ext cx="5052667" cy="1680149"/>
             </a:xfrm>
             <a:prstGeom prst="rect">
               <a:avLst/>
             </a:prstGeom>
+            <a:ln>
+              <a:solidFill>
+                <a:schemeClr val="tx1"/>
+              </a:solidFill>
+            </a:ln>
           </p:spPr>
         </p:pic>
         <p:sp>
           <p:nvSpPr>
-            <p:cNvPr id="6" name="正方形/長方形 5">
+            <p:cNvPr id="9" name="正方形/長方形 8">
               <a:extLst>
                 <a:ext uri="{FF2B5EF4-FFF2-40B4-BE49-F238E27FC236}">
-                  <a16:creationId xmlns:a16="http://schemas.microsoft.com/office/drawing/2014/main" id="{76C70E0D-10DF-2544-B7FF-D3F7C3F42C7F}"/>
+                  <a16:creationId xmlns:a16="http://schemas.microsoft.com/office/drawing/2014/main" id="{8645CE88-AF9B-E945-A8FC-2BF21E09DD1E}"/>
                 </a:ext>
               </a:extLst>
             </p:cNvPr>
@@ -6612,8 +6623,8 @@
           </p:nvSpPr>
           <p:spPr bwMode="auto">
             <a:xfrm>
-              <a:off x="4024650" y="3850172"/>
-              <a:ext cx="4097373" cy="262559"/>
+              <a:off x="4047313" y="5658679"/>
+              <a:ext cx="5030004" cy="348708"/>
             </a:xfrm>
             <a:prstGeom prst="rect">
               <a:avLst/>
@@ -6934,322 +6945,317 @@
           </a:p>
         </p:txBody>
       </p:sp>
-      <p:pic>
-        <p:nvPicPr>
-          <p:cNvPr id="4" name="図 3">
-            <a:extLst>
-              <a:ext uri="{FF2B5EF4-FFF2-40B4-BE49-F238E27FC236}">
-                <a16:creationId xmlns:a16="http://schemas.microsoft.com/office/drawing/2014/main" id="{42923188-2AFB-BF4B-A630-5AE68D69D739}"/>
-              </a:ext>
-            </a:extLst>
-          </p:cNvPr>
-          <p:cNvPicPr>
-            <a:picLocks noChangeAspect="1"/>
-          </p:cNvPicPr>
+      <p:grpSp>
+        <p:nvGrpSpPr>
+          <p:cNvPr id="12" name="グループ化 11">
+            <a:extLst>
+              <a:ext uri="{FF2B5EF4-FFF2-40B4-BE49-F238E27FC236}">
+                <a16:creationId xmlns:a16="http://schemas.microsoft.com/office/drawing/2014/main" id="{8838FA34-5728-034F-B188-A1443E2D46C1}"/>
+              </a:ext>
+            </a:extLst>
+          </p:cNvPr>
+          <p:cNvGrpSpPr/>
           <p:nvPr/>
-        </p:nvPicPr>
-        <p:blipFill>
-          <a:blip r:embed="rId2"/>
-          <a:stretch>
-            <a:fillRect/>
-          </a:stretch>
-        </p:blipFill>
-        <p:spPr>
+        </p:nvGrpSpPr>
+        <p:grpSpPr>
           <a:xfrm>
-            <a:off x="4156766" y="1497585"/>
-            <a:ext cx="1625600" cy="3238598"/>
+            <a:off x="1745381" y="1497585"/>
+            <a:ext cx="1614767" cy="4219052"/>
+            <a:chOff x="1745381" y="1497585"/>
+            <a:chExt cx="1614767" cy="4219052"/>
           </a:xfrm>
-          <a:prstGeom prst="rect">
-            <a:avLst/>
-          </a:prstGeom>
-          <a:ln>
-            <a:solidFill>
-              <a:schemeClr val="tx1"/>
-            </a:solidFill>
-          </a:ln>
-        </p:spPr>
-      </p:pic>
-      <p:sp>
-        <p:nvSpPr>
-          <p:cNvPr id="5" name="正方形/長方形 4">
-            <a:extLst>
-              <a:ext uri="{FF2B5EF4-FFF2-40B4-BE49-F238E27FC236}">
-                <a16:creationId xmlns:a16="http://schemas.microsoft.com/office/drawing/2014/main" id="{D5AC1E63-BC3F-7B4B-9C85-0B8B206BA01D}"/>
-              </a:ext>
-            </a:extLst>
-          </p:cNvPr>
-          <p:cNvSpPr/>
-          <p:nvPr/>
-        </p:nvSpPr>
-        <p:spPr bwMode="auto">
-          <a:xfrm>
-            <a:off x="4260911" y="1782016"/>
-            <a:ext cx="1424272" cy="282203"/>
-          </a:xfrm>
-          <a:prstGeom prst="rect">
-            <a:avLst/>
-          </a:prstGeom>
-          <a:noFill/>
-          <a:ln w="25400">
-            <a:solidFill>
-              <a:srgbClr val="FF2600"/>
-            </a:solidFill>
-            <a:headEnd type="none" w="med" len="med"/>
-            <a:tailEnd type="none" w="med" len="med"/>
-          </a:ln>
-          <a:effectLst/>
-        </p:spPr>
-        <p:style>
-          <a:lnRef idx="1">
-            <a:schemeClr val="accent2"/>
-          </a:lnRef>
-          <a:fillRef idx="3">
-            <a:schemeClr val="accent2"/>
-          </a:fillRef>
-          <a:effectRef idx="2">
-            <a:schemeClr val="accent2"/>
-          </a:effectRef>
-          <a:fontRef idx="minor">
-            <a:schemeClr val="lt1"/>
-          </a:fontRef>
-        </p:style>
-        <p:txBody>
-          <a:bodyPr rot="0" spcFirstLastPara="0" vertOverflow="overflow" horzOverflow="overflow" vert="horz" wrap="none" lIns="182880" tIns="146304" rIns="182880" bIns="146304" numCol="1" spcCol="0" rtlCol="0" fromWordArt="0" anchor="ctr" anchorCtr="0" forceAA="0" compatLnSpc="1">
-            <a:prstTxWarp prst="textNoShape">
+        </p:grpSpPr>
+        <p:pic>
+          <p:nvPicPr>
+            <p:cNvPr id="11" name="図 10">
+              <a:extLst>
+                <a:ext uri="{FF2B5EF4-FFF2-40B4-BE49-F238E27FC236}">
+                  <a16:creationId xmlns:a16="http://schemas.microsoft.com/office/drawing/2014/main" id="{86FB511F-7B8D-B04F-A4EA-6C0DD8E2117B}"/>
+                </a:ext>
+              </a:extLst>
+            </p:cNvPr>
+            <p:cNvPicPr>
+              <a:picLocks noChangeAspect="1"/>
+            </p:cNvPicPr>
+            <p:nvPr/>
+          </p:nvPicPr>
+          <p:blipFill>
+            <a:blip r:embed="rId2" cstate="print">
+              <a:extLst>
+                <a:ext uri="{28A0092B-C50C-407E-A947-70E740481C1C}">
+                  <a14:useLocalDpi xmlns:a14="http://schemas.microsoft.com/office/drawing/2010/main"/>
+                </a:ext>
+              </a:extLst>
+            </a:blip>
+            <a:stretch>
+              <a:fillRect/>
+            </a:stretch>
+          </p:blipFill>
+          <p:spPr>
+            <a:xfrm>
+              <a:off x="1745382" y="1497585"/>
+              <a:ext cx="1614766" cy="4219051"/>
+            </a:xfrm>
+            <a:prstGeom prst="rect">
               <a:avLst/>
-            </a:prstTxWarp>
-            <a:noAutofit/>
-          </a:bodyPr>
-          <a:lstStyle/>
-          <a:p>
-            <a:pPr algn="ctr" defTabSz="932472" fontAlgn="base">
-              <a:lnSpc>
-                <a:spcPct val="90000"/>
-              </a:lnSpc>
-              <a:spcBef>
-                <a:spcPct val="0"/>
-              </a:spcBef>
-              <a:spcAft>
-                <a:spcPct val="0"/>
-              </a:spcAft>
-            </a:pPr>
-            <a:endParaRPr kumimoji="1" lang="ja-JP" altLang="en-US" sz="900" dirty="0" err="1">
-              <a:gradFill>
-                <a:gsLst>
-                  <a:gs pos="0">
-                    <a:srgbClr val="FFFFFF"/>
-                  </a:gs>
-                  <a:gs pos="100000">
-                    <a:srgbClr val="FFFFFF"/>
-                  </a:gs>
-                </a:gsLst>
-                <a:lin ang="5400000" scaled="0"/>
-              </a:gradFill>
-              <a:latin typeface="+mj-ea"/>
-              <a:ea typeface="+mj-ea"/>
-              <a:cs typeface="Segoe UI" pitchFamily="34" charset="0"/>
-            </a:endParaRPr>
-          </a:p>
-        </p:txBody>
-      </p:sp>
-      <p:sp>
-        <p:nvSpPr>
-          <p:cNvPr id="6" name="正方形/長方形 5">
-            <a:extLst>
-              <a:ext uri="{FF2B5EF4-FFF2-40B4-BE49-F238E27FC236}">
-                <a16:creationId xmlns:a16="http://schemas.microsoft.com/office/drawing/2014/main" id="{8C843C97-F9B7-BF43-A5BD-6453E43EE9DF}"/>
-              </a:ext>
-            </a:extLst>
-          </p:cNvPr>
-          <p:cNvSpPr/>
-          <p:nvPr/>
-        </p:nvSpPr>
-        <p:spPr bwMode="auto">
-          <a:xfrm>
-            <a:off x="4257430" y="2372138"/>
-            <a:ext cx="1424272" cy="266811"/>
-          </a:xfrm>
-          <a:prstGeom prst="rect">
-            <a:avLst/>
-          </a:prstGeom>
-          <a:noFill/>
-          <a:ln w="25400">
-            <a:solidFill>
-              <a:srgbClr val="FF2600"/>
-            </a:solidFill>
-            <a:headEnd type="none" w="med" len="med"/>
-            <a:tailEnd type="none" w="med" len="med"/>
-          </a:ln>
-          <a:effectLst/>
-        </p:spPr>
-        <p:style>
-          <a:lnRef idx="1">
-            <a:schemeClr val="accent2"/>
-          </a:lnRef>
-          <a:fillRef idx="3">
-            <a:schemeClr val="accent2"/>
-          </a:fillRef>
-          <a:effectRef idx="2">
-            <a:schemeClr val="accent2"/>
-          </a:effectRef>
-          <a:fontRef idx="minor">
-            <a:schemeClr val="lt1"/>
-          </a:fontRef>
-        </p:style>
-        <p:txBody>
-          <a:bodyPr rot="0" spcFirstLastPara="0" vertOverflow="overflow" horzOverflow="overflow" vert="horz" wrap="none" lIns="182880" tIns="146304" rIns="182880" bIns="146304" numCol="1" spcCol="0" rtlCol="0" fromWordArt="0" anchor="ctr" anchorCtr="0" forceAA="0" compatLnSpc="1">
-            <a:prstTxWarp prst="textNoShape">
+            </a:prstGeom>
+            <a:ln>
+              <a:solidFill>
+                <a:schemeClr val="tx1"/>
+              </a:solidFill>
+            </a:ln>
+          </p:spPr>
+        </p:pic>
+        <p:sp>
+          <p:nvSpPr>
+            <p:cNvPr id="5" name="正方形/長方形 4">
+              <a:extLst>
+                <a:ext uri="{FF2B5EF4-FFF2-40B4-BE49-F238E27FC236}">
+                  <a16:creationId xmlns:a16="http://schemas.microsoft.com/office/drawing/2014/main" id="{D5AC1E63-BC3F-7B4B-9C85-0B8B206BA01D}"/>
+                </a:ext>
+              </a:extLst>
+            </p:cNvPr>
+            <p:cNvSpPr/>
+            <p:nvPr/>
+          </p:nvSpPr>
+          <p:spPr bwMode="auto">
+            <a:xfrm>
+              <a:off x="1745383" y="1802296"/>
+              <a:ext cx="1514652" cy="256236"/>
+            </a:xfrm>
+            <a:prstGeom prst="rect">
               <a:avLst/>
-            </a:prstTxWarp>
-            <a:noAutofit/>
-          </a:bodyPr>
-          <a:lstStyle/>
-          <a:p>
-            <a:pPr algn="ctr" defTabSz="932472" fontAlgn="base">
-              <a:lnSpc>
-                <a:spcPct val="90000"/>
-              </a:lnSpc>
-              <a:spcBef>
-                <a:spcPct val="0"/>
-              </a:spcBef>
-              <a:spcAft>
-                <a:spcPct val="0"/>
-              </a:spcAft>
-            </a:pPr>
-            <a:endParaRPr kumimoji="1" lang="ja-JP" altLang="en-US" sz="900" dirty="0" err="1">
-              <a:gradFill>
-                <a:gsLst>
-                  <a:gs pos="0">
-                    <a:srgbClr val="FFFFFF"/>
-                  </a:gs>
-                  <a:gs pos="100000">
-                    <a:srgbClr val="FFFFFF"/>
-                  </a:gs>
-                </a:gsLst>
-                <a:lin ang="5400000" scaled="0"/>
-              </a:gradFill>
-              <a:latin typeface="+mj-ea"/>
-              <a:ea typeface="+mj-ea"/>
-              <a:cs typeface="Segoe UI" pitchFamily="34" charset="0"/>
-            </a:endParaRPr>
-          </a:p>
-        </p:txBody>
-      </p:sp>
-      <p:pic>
-        <p:nvPicPr>
-          <p:cNvPr id="10" name="図 9">
-            <a:extLst>
-              <a:ext uri="{FF2B5EF4-FFF2-40B4-BE49-F238E27FC236}">
-                <a16:creationId xmlns:a16="http://schemas.microsoft.com/office/drawing/2014/main" id="{D2ECAEA4-B924-CC44-B978-B3455C3D6C54}"/>
-              </a:ext>
-            </a:extLst>
-          </p:cNvPr>
-          <p:cNvPicPr>
-            <a:picLocks noChangeAspect="1"/>
-          </p:cNvPicPr>
-          <p:nvPr/>
-        </p:nvPicPr>
-        <p:blipFill rotWithShape="1">
-          <a:blip r:embed="rId3"/>
-          <a:srcRect l="1334" t="93482" r="1361"/>
-          <a:stretch/>
-        </p:blipFill>
-        <p:spPr>
-          <a:xfrm>
-            <a:off x="4170018" y="4309510"/>
-            <a:ext cx="1581782" cy="323649"/>
-          </a:xfrm>
-          <a:prstGeom prst="rect">
-            <a:avLst/>
-          </a:prstGeom>
-          <a:ln>
+            </a:prstGeom>
             <a:noFill/>
-          </a:ln>
-        </p:spPr>
-      </p:pic>
-      <p:sp>
-        <p:nvSpPr>
-          <p:cNvPr id="7" name="正方形/長方形 6">
-            <a:extLst>
-              <a:ext uri="{FF2B5EF4-FFF2-40B4-BE49-F238E27FC236}">
-                <a16:creationId xmlns:a16="http://schemas.microsoft.com/office/drawing/2014/main" id="{A35BFC4F-69C1-1F43-8B07-000DE39F6E01}"/>
-              </a:ext>
-            </a:extLst>
-          </p:cNvPr>
-          <p:cNvSpPr/>
-          <p:nvPr/>
-        </p:nvSpPr>
-        <p:spPr bwMode="auto">
-          <a:xfrm>
-            <a:off x="4257430" y="4403725"/>
-            <a:ext cx="514595" cy="168275"/>
-          </a:xfrm>
-          <a:prstGeom prst="rect">
-            <a:avLst/>
-          </a:prstGeom>
-          <a:noFill/>
-          <a:ln w="25400">
-            <a:solidFill>
-              <a:srgbClr val="FF2600"/>
-            </a:solidFill>
-            <a:headEnd type="none" w="med" len="med"/>
-            <a:tailEnd type="none" w="med" len="med"/>
-          </a:ln>
-          <a:effectLst/>
-        </p:spPr>
-        <p:style>
-          <a:lnRef idx="1">
-            <a:schemeClr val="accent2"/>
-          </a:lnRef>
-          <a:fillRef idx="3">
-            <a:schemeClr val="accent2"/>
-          </a:fillRef>
-          <a:effectRef idx="2">
-            <a:schemeClr val="accent2"/>
-          </a:effectRef>
-          <a:fontRef idx="minor">
-            <a:schemeClr val="lt1"/>
-          </a:fontRef>
-        </p:style>
-        <p:txBody>
-          <a:bodyPr rot="0" spcFirstLastPara="0" vertOverflow="overflow" horzOverflow="overflow" vert="horz" wrap="none" lIns="182880" tIns="146304" rIns="182880" bIns="146304" numCol="1" spcCol="0" rtlCol="0" fromWordArt="0" anchor="ctr" anchorCtr="0" forceAA="0" compatLnSpc="1">
-            <a:prstTxWarp prst="textNoShape">
+            <a:ln w="25400">
+              <a:solidFill>
+                <a:srgbClr val="FF2600"/>
+              </a:solidFill>
+              <a:headEnd type="none" w="med" len="med"/>
+              <a:tailEnd type="none" w="med" len="med"/>
+            </a:ln>
+            <a:effectLst/>
+          </p:spPr>
+          <p:style>
+            <a:lnRef idx="1">
+              <a:schemeClr val="accent2"/>
+            </a:lnRef>
+            <a:fillRef idx="3">
+              <a:schemeClr val="accent2"/>
+            </a:fillRef>
+            <a:effectRef idx="2">
+              <a:schemeClr val="accent2"/>
+            </a:effectRef>
+            <a:fontRef idx="minor">
+              <a:schemeClr val="lt1"/>
+            </a:fontRef>
+          </p:style>
+          <p:txBody>
+            <a:bodyPr rot="0" spcFirstLastPara="0" vertOverflow="overflow" horzOverflow="overflow" vert="horz" wrap="none" lIns="182880" tIns="146304" rIns="182880" bIns="146304" numCol="1" spcCol="0" rtlCol="0" fromWordArt="0" anchor="ctr" anchorCtr="0" forceAA="0" compatLnSpc="1">
+              <a:prstTxWarp prst="textNoShape">
+                <a:avLst/>
+              </a:prstTxWarp>
+              <a:noAutofit/>
+            </a:bodyPr>
+            <a:lstStyle/>
+            <a:p>
+              <a:pPr algn="ctr" defTabSz="932472" fontAlgn="base">
+                <a:lnSpc>
+                  <a:spcPct val="90000"/>
+                </a:lnSpc>
+                <a:spcBef>
+                  <a:spcPct val="0"/>
+                </a:spcBef>
+                <a:spcAft>
+                  <a:spcPct val="0"/>
+                </a:spcAft>
+              </a:pPr>
+              <a:endParaRPr kumimoji="1" lang="ja-JP" altLang="en-US" sz="900" dirty="0" err="1">
+                <a:gradFill>
+                  <a:gsLst>
+                    <a:gs pos="0">
+                      <a:srgbClr val="FFFFFF"/>
+                    </a:gs>
+                    <a:gs pos="100000">
+                      <a:srgbClr val="FFFFFF"/>
+                    </a:gs>
+                  </a:gsLst>
+                  <a:lin ang="5400000" scaled="0"/>
+                </a:gradFill>
+                <a:latin typeface="+mj-ea"/>
+                <a:ea typeface="+mj-ea"/>
+                <a:cs typeface="Segoe UI" pitchFamily="34" charset="0"/>
+              </a:endParaRPr>
+            </a:p>
+          </p:txBody>
+        </p:sp>
+        <p:sp>
+          <p:nvSpPr>
+            <p:cNvPr id="6" name="正方形/長方形 5">
+              <a:extLst>
+                <a:ext uri="{FF2B5EF4-FFF2-40B4-BE49-F238E27FC236}">
+                  <a16:creationId xmlns:a16="http://schemas.microsoft.com/office/drawing/2014/main" id="{8C843C97-F9B7-BF43-A5BD-6453E43EE9DF}"/>
+                </a:ext>
+              </a:extLst>
+            </p:cNvPr>
+            <p:cNvSpPr/>
+            <p:nvPr/>
+          </p:nvSpPr>
+          <p:spPr bwMode="auto">
+            <a:xfrm>
+              <a:off x="1745381" y="2422469"/>
+              <a:ext cx="1514654" cy="256236"/>
+            </a:xfrm>
+            <a:prstGeom prst="rect">
               <a:avLst/>
-            </a:prstTxWarp>
-            <a:noAutofit/>
-          </a:bodyPr>
-          <a:lstStyle/>
-          <a:p>
-            <a:pPr algn="ctr" defTabSz="932472" fontAlgn="base">
-              <a:lnSpc>
-                <a:spcPct val="90000"/>
-              </a:lnSpc>
-              <a:spcBef>
-                <a:spcPct val="0"/>
-              </a:spcBef>
-              <a:spcAft>
-                <a:spcPct val="0"/>
-              </a:spcAft>
-            </a:pPr>
-            <a:endParaRPr kumimoji="1" lang="ja-JP" altLang="en-US" sz="900" dirty="0" err="1">
-              <a:gradFill>
-                <a:gsLst>
-                  <a:gs pos="0">
-                    <a:srgbClr val="FFFFFF"/>
-                  </a:gs>
-                  <a:gs pos="100000">
-                    <a:srgbClr val="FFFFFF"/>
-                  </a:gs>
-                </a:gsLst>
-                <a:lin ang="5400000" scaled="0"/>
-              </a:gradFill>
-              <a:latin typeface="+mj-ea"/>
-              <a:ea typeface="+mj-ea"/>
-              <a:cs typeface="Segoe UI" pitchFamily="34" charset="0"/>
-            </a:endParaRPr>
-          </a:p>
-        </p:txBody>
-      </p:sp>
+            </a:prstGeom>
+            <a:noFill/>
+            <a:ln w="25400">
+              <a:solidFill>
+                <a:srgbClr val="FF2600"/>
+              </a:solidFill>
+              <a:headEnd type="none" w="med" len="med"/>
+              <a:tailEnd type="none" w="med" len="med"/>
+            </a:ln>
+            <a:effectLst/>
+          </p:spPr>
+          <p:style>
+            <a:lnRef idx="1">
+              <a:schemeClr val="accent2"/>
+            </a:lnRef>
+            <a:fillRef idx="3">
+              <a:schemeClr val="accent2"/>
+            </a:fillRef>
+            <a:effectRef idx="2">
+              <a:schemeClr val="accent2"/>
+            </a:effectRef>
+            <a:fontRef idx="minor">
+              <a:schemeClr val="lt1"/>
+            </a:fontRef>
+          </p:style>
+          <p:txBody>
+            <a:bodyPr rot="0" spcFirstLastPara="0" vertOverflow="overflow" horzOverflow="overflow" vert="horz" wrap="none" lIns="182880" tIns="146304" rIns="182880" bIns="146304" numCol="1" spcCol="0" rtlCol="0" fromWordArt="0" anchor="ctr" anchorCtr="0" forceAA="0" compatLnSpc="1">
+              <a:prstTxWarp prst="textNoShape">
+                <a:avLst/>
+              </a:prstTxWarp>
+              <a:noAutofit/>
+            </a:bodyPr>
+            <a:lstStyle/>
+            <a:p>
+              <a:pPr algn="ctr" defTabSz="932472" fontAlgn="base">
+                <a:lnSpc>
+                  <a:spcPct val="90000"/>
+                </a:lnSpc>
+                <a:spcBef>
+                  <a:spcPct val="0"/>
+                </a:spcBef>
+                <a:spcAft>
+                  <a:spcPct val="0"/>
+                </a:spcAft>
+              </a:pPr>
+              <a:endParaRPr kumimoji="1" lang="ja-JP" altLang="en-US" sz="900" dirty="0" err="1">
+                <a:gradFill>
+                  <a:gsLst>
+                    <a:gs pos="0">
+                      <a:srgbClr val="FFFFFF"/>
+                    </a:gs>
+                    <a:gs pos="100000">
+                      <a:srgbClr val="FFFFFF"/>
+                    </a:gs>
+                  </a:gsLst>
+                  <a:lin ang="5400000" scaled="0"/>
+                </a:gradFill>
+                <a:latin typeface="+mj-ea"/>
+                <a:ea typeface="+mj-ea"/>
+                <a:cs typeface="Segoe UI" pitchFamily="34" charset="0"/>
+              </a:endParaRPr>
+            </a:p>
+          </p:txBody>
+        </p:sp>
+        <p:sp>
+          <p:nvSpPr>
+            <p:cNvPr id="7" name="正方形/長方形 6">
+              <a:extLst>
+                <a:ext uri="{FF2B5EF4-FFF2-40B4-BE49-F238E27FC236}">
+                  <a16:creationId xmlns:a16="http://schemas.microsoft.com/office/drawing/2014/main" id="{A35BFC4F-69C1-1F43-8B07-000DE39F6E01}"/>
+                </a:ext>
+              </a:extLst>
+            </p:cNvPr>
+            <p:cNvSpPr/>
+            <p:nvPr/>
+          </p:nvSpPr>
+          <p:spPr bwMode="auto">
+            <a:xfrm>
+              <a:off x="1745381" y="5460401"/>
+              <a:ext cx="613506" cy="256236"/>
+            </a:xfrm>
+            <a:prstGeom prst="rect">
+              <a:avLst/>
+            </a:prstGeom>
+            <a:noFill/>
+            <a:ln w="25400">
+              <a:solidFill>
+                <a:srgbClr val="FF2600"/>
+              </a:solidFill>
+              <a:headEnd type="none" w="med" len="med"/>
+              <a:tailEnd type="none" w="med" len="med"/>
+            </a:ln>
+            <a:effectLst/>
+          </p:spPr>
+          <p:style>
+            <a:lnRef idx="1">
+              <a:schemeClr val="accent2"/>
+            </a:lnRef>
+            <a:fillRef idx="3">
+              <a:schemeClr val="accent2"/>
+            </a:fillRef>
+            <a:effectRef idx="2">
+              <a:schemeClr val="accent2"/>
+            </a:effectRef>
+            <a:fontRef idx="minor">
+              <a:schemeClr val="lt1"/>
+            </a:fontRef>
+          </p:style>
+          <p:txBody>
+            <a:bodyPr rot="0" spcFirstLastPara="0" vertOverflow="overflow" horzOverflow="overflow" vert="horz" wrap="none" lIns="182880" tIns="146304" rIns="182880" bIns="146304" numCol="1" spcCol="0" rtlCol="0" fromWordArt="0" anchor="ctr" anchorCtr="0" forceAA="0" compatLnSpc="1">
+              <a:prstTxWarp prst="textNoShape">
+                <a:avLst/>
+              </a:prstTxWarp>
+              <a:noAutofit/>
+            </a:bodyPr>
+            <a:lstStyle/>
+            <a:p>
+              <a:pPr algn="ctr" defTabSz="932472" fontAlgn="base">
+                <a:lnSpc>
+                  <a:spcPct val="90000"/>
+                </a:lnSpc>
+                <a:spcBef>
+                  <a:spcPct val="0"/>
+                </a:spcBef>
+                <a:spcAft>
+                  <a:spcPct val="0"/>
+                </a:spcAft>
+              </a:pPr>
+              <a:endParaRPr kumimoji="1" lang="ja-JP" altLang="en-US" sz="900" dirty="0" err="1">
+                <a:gradFill>
+                  <a:gsLst>
+                    <a:gs pos="0">
+                      <a:srgbClr val="FFFFFF"/>
+                    </a:gs>
+                    <a:gs pos="100000">
+                      <a:srgbClr val="FFFFFF"/>
+                    </a:gs>
+                  </a:gsLst>
+                  <a:lin ang="5400000" scaled="0"/>
+                </a:gradFill>
+                <a:latin typeface="+mj-ea"/>
+                <a:ea typeface="+mj-ea"/>
+                <a:cs typeface="Segoe UI" pitchFamily="34" charset="0"/>
+              </a:endParaRPr>
+            </a:p>
+          </p:txBody>
+        </p:sp>
+      </p:grpSp>
     </p:spTree>
     <p:extLst>
       <p:ext uri="{BB962C8B-B14F-4D97-AF65-F5344CB8AC3E}">
